--- a/doc/template.pptx
+++ b/doc/template.pptx
@@ -7,6 +7,7 @@
   <p:sldIdLst>
     <p:sldId id="256" r:id="rId2"/>
     <p:sldId id="257" r:id="rId3"/>
+    <p:sldId id="259" r:id="rId4"/>
   </p:sldIdLst>
   <p:sldSz cx="12192000" cy="6858000"/>
   <p:notesSz cx="6858000" cy="9144000"/>
@@ -113,193 +114,35 @@
 </p:presentation>
 </file>
 
-<file path=ppt/revisionInfo.xml><?xml version="1.0" encoding="utf-8"?>
-<p1510:revInfo xmlns:a="http://schemas.openxmlformats.org/drawingml/2006/main" xmlns:r="http://schemas.openxmlformats.org/officeDocument/2006/relationships" xmlns:p1510="http://schemas.microsoft.com/office/powerpoint/2015/10/main">
-  <p1510:revLst>
-    <p1510:client id="{21EE9E56-A8E0-42CE-972C-DAA4D12D00D0}" v="126" dt="2020-10-17T11:30:20.065"/>
-  </p1510:revLst>
-</p1510:revInfo>
-</file>
-
 <file path=ppt/changesInfos/changesInfo1.xml><?xml version="1.0" encoding="utf-8"?>
 <pc:chgInfo xmlns:a="http://schemas.openxmlformats.org/drawingml/2006/main" xmlns:r="http://schemas.openxmlformats.org/officeDocument/2006/relationships" xmlns:ac="http://schemas.microsoft.com/office/drawing/2013/main/command" xmlns:pc="http://schemas.microsoft.com/office/powerpoint/2013/main/command">
   <pc:docChgLst>
-    <pc:chgData name="Recalog Common" userId="6b63c15652579743" providerId="LiveId" clId="{21EE9E56-A8E0-42CE-972C-DAA4D12D00D0}"/>
-    <pc:docChg chg="undo custSel addSld delSld modSld">
-      <pc:chgData name="Recalog Common" userId="6b63c15652579743" providerId="LiveId" clId="{21EE9E56-A8E0-42CE-972C-DAA4D12D00D0}" dt="2020-10-17T11:30:28.439" v="1241" actId="1076"/>
+    <pc:chgData name="kusaka takenori" userId="98f7a94f53c28a8b" providerId="LiveId" clId="{858B0812-F22C-487C-941E-0612EB9DA0BA}"/>
+    <pc:docChg chg="undo custSel modSld">
+      <pc:chgData name="kusaka takenori" userId="98f7a94f53c28a8b" providerId="LiveId" clId="{858B0812-F22C-487C-941E-0612EB9DA0BA}" dt="2022-07-03T14:47:43.162" v="6" actId="14100"/>
       <pc:docMkLst>
         <pc:docMk/>
       </pc:docMkLst>
-      <pc:sldChg chg="addSp delSp modSp mod">
-        <pc:chgData name="Recalog Common" userId="6b63c15652579743" providerId="LiveId" clId="{21EE9E56-A8E0-42CE-972C-DAA4D12D00D0}" dt="2020-10-17T11:30:28.439" v="1241" actId="1076"/>
+      <pc:sldChg chg="modSp mod">
+        <pc:chgData name="kusaka takenori" userId="98f7a94f53c28a8b" providerId="LiveId" clId="{858B0812-F22C-487C-941E-0612EB9DA0BA}" dt="2022-07-03T14:47:43.162" v="6" actId="14100"/>
         <pc:sldMkLst>
           <pc:docMk/>
-          <pc:sldMk cId="2755178922" sldId="256"/>
+          <pc:sldMk cId="2390686217" sldId="259"/>
         </pc:sldMkLst>
-        <pc:picChg chg="add del mod">
-          <ac:chgData name="Recalog Common" userId="6b63c15652579743" providerId="LiveId" clId="{21EE9E56-A8E0-42CE-972C-DAA4D12D00D0}" dt="2020-10-17T11:29:19.086" v="1237" actId="478"/>
-          <ac:picMkLst>
-            <pc:docMk/>
-            <pc:sldMk cId="2755178922" sldId="256"/>
-            <ac:picMk id="2" creationId="{E308E58E-EB2E-4EC8-A763-B5BC905E3227}"/>
-          </ac:picMkLst>
-        </pc:picChg>
-        <pc:picChg chg="mod">
-          <ac:chgData name="Recalog Common" userId="6b63c15652579743" providerId="LiveId" clId="{21EE9E56-A8E0-42CE-972C-DAA4D12D00D0}" dt="2020-10-17T11:29:23.005" v="1238" actId="1076"/>
-          <ac:picMkLst>
-            <pc:docMk/>
-            <pc:sldMk cId="2755178922" sldId="256"/>
-            <ac:picMk id="7" creationId="{775100B6-5C88-451F-9F05-01D2A9DF4EE5}"/>
-          </ac:picMkLst>
-        </pc:picChg>
-        <pc:picChg chg="add mod">
-          <ac:chgData name="Recalog Common" userId="6b63c15652579743" providerId="LiveId" clId="{21EE9E56-A8E0-42CE-972C-DAA4D12D00D0}" dt="2020-10-17T11:30:28.439" v="1241" actId="1076"/>
-          <ac:picMkLst>
-            <pc:docMk/>
-            <pc:sldMk cId="2755178922" sldId="256"/>
-            <ac:picMk id="9" creationId="{0A0192FB-2FE2-448C-98B1-554177E6F31F}"/>
-          </ac:picMkLst>
-        </pc:picChg>
-      </pc:sldChg>
-      <pc:sldChg chg="addSp delSp modSp add mod setBg delDesignElem">
-        <pc:chgData name="Recalog Common" userId="6b63c15652579743" providerId="LiveId" clId="{21EE9E56-A8E0-42CE-972C-DAA4D12D00D0}" dt="2020-10-16T08:43:22.408" v="1228" actId="478"/>
-        <pc:sldMkLst>
-          <pc:docMk/>
-          <pc:sldMk cId="3663522794" sldId="257"/>
-        </pc:sldMkLst>
-        <pc:spChg chg="add del">
-          <ac:chgData name="Recalog Common" userId="6b63c15652579743" providerId="LiveId" clId="{21EE9E56-A8E0-42CE-972C-DAA4D12D00D0}" dt="2020-10-08T06:34:04.881" v="3" actId="11529"/>
+        <pc:spChg chg="mod">
+          <ac:chgData name="kusaka takenori" userId="98f7a94f53c28a8b" providerId="LiveId" clId="{858B0812-F22C-487C-941E-0612EB9DA0BA}" dt="2022-07-03T14:47:37.282" v="5" actId="1076"/>
           <ac:spMkLst>
             <pc:docMk/>
-            <pc:sldMk cId="3663522794" sldId="257"/>
-            <ac:spMk id="2" creationId="{26A5CD1E-59CD-491D-ACAC-8F334695D43C}"/>
-          </ac:spMkLst>
-        </pc:spChg>
-        <pc:spChg chg="add mod">
-          <ac:chgData name="Recalog Common" userId="6b63c15652579743" providerId="LiveId" clId="{21EE9E56-A8E0-42CE-972C-DAA4D12D00D0}" dt="2020-10-08T07:12:08.386" v="227" actId="164"/>
-          <ac:spMkLst>
-            <pc:docMk/>
-            <pc:sldMk cId="3663522794" sldId="257"/>
-            <ac:spMk id="3" creationId="{332D76D1-0DD9-476F-9FF0-E8CC7F4FC41C}"/>
-          </ac:spMkLst>
-        </pc:spChg>
-        <pc:spChg chg="del">
-          <ac:chgData name="Recalog Common" userId="6b63c15652579743" providerId="LiveId" clId="{21EE9E56-A8E0-42CE-972C-DAA4D12D00D0}" dt="2020-10-08T06:33:53.075" v="1"/>
-          <ac:spMkLst>
-            <pc:docMk/>
-            <pc:sldMk cId="3663522794" sldId="257"/>
-            <ac:spMk id="10" creationId="{7EBFDB7D-DD97-44CE-AFFB-458781A3DB9B}"/>
-          </ac:spMkLst>
-        </pc:spChg>
-        <pc:spChg chg="add del mod">
-          <ac:chgData name="Recalog Common" userId="6b63c15652579743" providerId="LiveId" clId="{21EE9E56-A8E0-42CE-972C-DAA4D12D00D0}" dt="2020-10-08T06:43:32.827" v="205"/>
-          <ac:spMkLst>
-            <pc:docMk/>
-            <pc:sldMk cId="3663522794" sldId="257"/>
-            <ac:spMk id="11" creationId="{6B639083-DBE4-4496-8F05-E36511B8A1A2}"/>
-          </ac:spMkLst>
-        </pc:spChg>
-        <pc:spChg chg="del">
-          <ac:chgData name="Recalog Common" userId="6b63c15652579743" providerId="LiveId" clId="{21EE9E56-A8E0-42CE-972C-DAA4D12D00D0}" dt="2020-10-08T06:33:53.075" v="1"/>
-          <ac:spMkLst>
-            <pc:docMk/>
-            <pc:sldMk cId="3663522794" sldId="257"/>
-            <ac:spMk id="12" creationId="{50F864A1-23CF-4954-887F-3C4458622A68}"/>
-          </ac:spMkLst>
-        </pc:spChg>
-        <pc:spChg chg="add del mod">
-          <ac:chgData name="Recalog Common" userId="6b63c15652579743" providerId="LiveId" clId="{21EE9E56-A8E0-42CE-972C-DAA4D12D00D0}" dt="2020-10-08T06:43:32.827" v="205"/>
-          <ac:spMkLst>
-            <pc:docMk/>
-            <pc:sldMk cId="3663522794" sldId="257"/>
-            <ac:spMk id="13" creationId="{09B8357E-D341-4F8F-97D5-DDE643AE6392}"/>
-          </ac:spMkLst>
-        </pc:spChg>
-        <pc:spChg chg="del">
-          <ac:chgData name="Recalog Common" userId="6b63c15652579743" providerId="LiveId" clId="{21EE9E56-A8E0-42CE-972C-DAA4D12D00D0}" dt="2020-10-08T06:33:53.075" v="1"/>
-          <ac:spMkLst>
-            <pc:docMk/>
-            <pc:sldMk cId="3663522794" sldId="257"/>
-            <ac:spMk id="14" creationId="{8D313E8C-7457-407E-BDA5-EACA44D38247}"/>
-          </ac:spMkLst>
-        </pc:spChg>
-        <pc:spChg chg="add mod">
-          <ac:chgData name="Recalog Common" userId="6b63c15652579743" providerId="LiveId" clId="{21EE9E56-A8E0-42CE-972C-DAA4D12D00D0}" dt="2020-10-16T06:52:53.046" v="682"/>
-          <ac:spMkLst>
-            <pc:docMk/>
-            <pc:sldMk cId="3663522794" sldId="257"/>
-            <ac:spMk id="15" creationId="{4249D9E5-8B97-4D23-AACE-C32E3772982C}"/>
-          </ac:spMkLst>
-        </pc:spChg>
-        <pc:spChg chg="add mod">
-          <ac:chgData name="Recalog Common" userId="6b63c15652579743" providerId="LiveId" clId="{21EE9E56-A8E0-42CE-972C-DAA4D12D00D0}" dt="2020-10-16T06:55:06.504" v="1225" actId="20577"/>
-          <ac:spMkLst>
-            <pc:docMk/>
-            <pc:sldMk cId="3663522794" sldId="257"/>
-            <ac:spMk id="16" creationId="{7FC9A7F1-505C-472B-9122-5C5F2D20707A}"/>
-          </ac:spMkLst>
-        </pc:spChg>
-        <pc:grpChg chg="add mod">
-          <ac:chgData name="Recalog Common" userId="6b63c15652579743" providerId="LiveId" clId="{21EE9E56-A8E0-42CE-972C-DAA4D12D00D0}" dt="2020-10-16T07:04:06.470" v="1226" actId="1076"/>
-          <ac:grpSpMkLst>
-            <pc:docMk/>
-            <pc:sldMk cId="3663522794" sldId="257"/>
-            <ac:grpSpMk id="4" creationId="{07A00DCF-8BB1-4690-BC80-400F699FCAC4}"/>
-          </ac:grpSpMkLst>
-        </pc:grpChg>
-        <pc:picChg chg="add del">
-          <ac:chgData name="Recalog Common" userId="6b63c15652579743" providerId="LiveId" clId="{21EE9E56-A8E0-42CE-972C-DAA4D12D00D0}" dt="2020-10-16T08:43:22.408" v="1228" actId="478"/>
-          <ac:picMkLst>
-            <pc:docMk/>
-            <pc:sldMk cId="3663522794" sldId="257"/>
-            <ac:picMk id="2" creationId="{532F15A1-18D8-4C80-AC71-1FDC16AF7812}"/>
-          </ac:picMkLst>
-        </pc:picChg>
-        <pc:picChg chg="mod">
-          <ac:chgData name="Recalog Common" userId="6b63c15652579743" providerId="LiveId" clId="{21EE9E56-A8E0-42CE-972C-DAA4D12D00D0}" dt="2020-10-08T07:12:08.386" v="227" actId="164"/>
-          <ac:picMkLst>
-            <pc:docMk/>
-            <pc:sldMk cId="3663522794" sldId="257"/>
-            <ac:picMk id="5" creationId="{2F8654C6-A8A9-4501-B01F-7592ABEEB6B9}"/>
-          </ac:picMkLst>
-        </pc:picChg>
-        <pc:picChg chg="mod">
-          <ac:chgData name="Recalog Common" userId="6b63c15652579743" providerId="LiveId" clId="{21EE9E56-A8E0-42CE-972C-DAA4D12D00D0}" dt="2020-10-08T07:12:08.386" v="227" actId="164"/>
-          <ac:picMkLst>
-            <pc:docMk/>
-            <pc:sldMk cId="3663522794" sldId="257"/>
-            <ac:picMk id="7" creationId="{775100B6-5C88-451F-9F05-01D2A9DF4EE5}"/>
-          </ac:picMkLst>
-        </pc:picChg>
-      </pc:sldChg>
-      <pc:sldChg chg="addSp delSp modSp new del mod">
-        <pc:chgData name="Recalog Common" userId="6b63c15652579743" providerId="LiveId" clId="{21EE9E56-A8E0-42CE-972C-DAA4D12D00D0}" dt="2020-10-08T06:44:53.378" v="216" actId="47"/>
-        <pc:sldMkLst>
-          <pc:docMk/>
-          <pc:sldMk cId="1209802014" sldId="258"/>
-        </pc:sldMkLst>
-        <pc:spChg chg="mod">
-          <ac:chgData name="Recalog Common" userId="6b63c15652579743" providerId="LiveId" clId="{21EE9E56-A8E0-42CE-972C-DAA4D12D00D0}" dt="2020-10-08T06:43:24.560" v="201"/>
-          <ac:spMkLst>
-            <pc:docMk/>
-            <pc:sldMk cId="1209802014" sldId="258"/>
-            <ac:spMk id="2" creationId="{E4F8BC52-8DE6-48D9-9298-E5B367437844}"/>
+            <pc:sldMk cId="2390686217" sldId="259"/>
+            <ac:spMk id="7" creationId="{1BFEEA6A-8544-4354-F4B3-3F996E13C0E7}"/>
           </ac:spMkLst>
         </pc:spChg>
         <pc:spChg chg="mod">
-          <ac:chgData name="Recalog Common" userId="6b63c15652579743" providerId="LiveId" clId="{21EE9E56-A8E0-42CE-972C-DAA4D12D00D0}" dt="2020-10-08T06:42:14.920" v="168"/>
+          <ac:chgData name="kusaka takenori" userId="98f7a94f53c28a8b" providerId="LiveId" clId="{858B0812-F22C-487C-941E-0612EB9DA0BA}" dt="2022-07-03T14:47:43.162" v="6" actId="14100"/>
           <ac:spMkLst>
             <pc:docMk/>
-            <pc:sldMk cId="1209802014" sldId="258"/>
-            <ac:spMk id="3" creationId="{C6F96D38-13EC-4829-825E-9C8FE68975EF}"/>
-          </ac:spMkLst>
-        </pc:spChg>
-        <pc:spChg chg="add del">
-          <ac:chgData name="Recalog Common" userId="6b63c15652579743" providerId="LiveId" clId="{21EE9E56-A8E0-42CE-972C-DAA4D12D00D0}" dt="2020-10-08T06:34:39.289" v="8" actId="478"/>
-          <ac:spMkLst>
-            <pc:docMk/>
-            <pc:sldMk cId="1209802014" sldId="258"/>
-            <ac:spMk id="4" creationId="{B8BEDE69-62D4-40D6-A1CD-7DFFA92B9560}"/>
+            <pc:sldMk cId="2390686217" sldId="259"/>
+            <ac:spMk id="8" creationId="{DC48B6D3-5E7E-91DE-D1E1-122E11337813}"/>
           </ac:spMkLst>
         </pc:spChg>
       </pc:sldChg>
@@ -455,7 +298,7 @@
           <a:p>
             <a:fld id="{0D6640C3-00A8-4554-A38D-365E0E111A5F}" type="datetimeFigureOut">
               <a:rPr kumimoji="1" lang="ja-JP" altLang="en-US" smtClean="0"/>
-              <a:t>2021/7/4</a:t>
+              <a:t>2022/7/3</a:t>
             </a:fld>
             <a:endParaRPr kumimoji="1" lang="ja-JP" altLang="en-US"/>
           </a:p>
@@ -685,7 +528,7 @@
           <a:p>
             <a:fld id="{0D6640C3-00A8-4554-A38D-365E0E111A5F}" type="datetimeFigureOut">
               <a:rPr kumimoji="1" lang="ja-JP" altLang="en-US" smtClean="0"/>
-              <a:t>2021/7/4</a:t>
+              <a:t>2022/7/3</a:t>
             </a:fld>
             <a:endParaRPr kumimoji="1" lang="ja-JP" altLang="en-US"/>
           </a:p>
@@ -925,7 +768,7 @@
           <a:p>
             <a:fld id="{0D6640C3-00A8-4554-A38D-365E0E111A5F}" type="datetimeFigureOut">
               <a:rPr kumimoji="1" lang="ja-JP" altLang="en-US" smtClean="0"/>
-              <a:t>2021/7/4</a:t>
+              <a:t>2022/7/3</a:t>
             </a:fld>
             <a:endParaRPr kumimoji="1" lang="ja-JP" altLang="en-US"/>
           </a:p>
@@ -1155,7 +998,7 @@
           <a:p>
             <a:fld id="{0D6640C3-00A8-4554-A38D-365E0E111A5F}" type="datetimeFigureOut">
               <a:rPr kumimoji="1" lang="ja-JP" altLang="en-US" smtClean="0"/>
-              <a:t>2021/7/4</a:t>
+              <a:t>2022/7/3</a:t>
             </a:fld>
             <a:endParaRPr kumimoji="1" lang="ja-JP" altLang="en-US"/>
           </a:p>
@@ -1430,7 +1273,7 @@
           <a:p>
             <a:fld id="{0D6640C3-00A8-4554-A38D-365E0E111A5F}" type="datetimeFigureOut">
               <a:rPr kumimoji="1" lang="ja-JP" altLang="en-US" smtClean="0"/>
-              <a:t>2021/7/4</a:t>
+              <a:t>2022/7/3</a:t>
             </a:fld>
             <a:endParaRPr kumimoji="1" lang="ja-JP" altLang="en-US"/>
           </a:p>
@@ -1759,7 +1602,7 @@
           <a:p>
             <a:fld id="{0D6640C3-00A8-4554-A38D-365E0E111A5F}" type="datetimeFigureOut">
               <a:rPr kumimoji="1" lang="ja-JP" altLang="en-US" smtClean="0"/>
-              <a:t>2021/7/4</a:t>
+              <a:t>2022/7/3</a:t>
             </a:fld>
             <a:endParaRPr kumimoji="1" lang="ja-JP" altLang="en-US"/>
           </a:p>
@@ -2235,7 +2078,7 @@
           <a:p>
             <a:fld id="{0D6640C3-00A8-4554-A38D-365E0E111A5F}" type="datetimeFigureOut">
               <a:rPr kumimoji="1" lang="ja-JP" altLang="en-US" smtClean="0"/>
-              <a:t>2021/7/4</a:t>
+              <a:t>2022/7/3</a:t>
             </a:fld>
             <a:endParaRPr kumimoji="1" lang="ja-JP" altLang="en-US"/>
           </a:p>
@@ -2376,7 +2219,7 @@
           <a:p>
             <a:fld id="{0D6640C3-00A8-4554-A38D-365E0E111A5F}" type="datetimeFigureOut">
               <a:rPr kumimoji="1" lang="ja-JP" altLang="en-US" smtClean="0"/>
-              <a:t>2021/7/4</a:t>
+              <a:t>2022/7/3</a:t>
             </a:fld>
             <a:endParaRPr kumimoji="1" lang="ja-JP" altLang="en-US"/>
           </a:p>
@@ -2489,7 +2332,7 @@
           <a:p>
             <a:fld id="{0D6640C3-00A8-4554-A38D-365E0E111A5F}" type="datetimeFigureOut">
               <a:rPr kumimoji="1" lang="ja-JP" altLang="en-US" smtClean="0"/>
-              <a:t>2021/7/4</a:t>
+              <a:t>2022/7/3</a:t>
             </a:fld>
             <a:endParaRPr kumimoji="1" lang="ja-JP" altLang="en-US"/>
           </a:p>
@@ -2832,7 +2675,7 @@
           <a:p>
             <a:fld id="{0D6640C3-00A8-4554-A38D-365E0E111A5F}" type="datetimeFigureOut">
               <a:rPr kumimoji="1" lang="ja-JP" altLang="en-US" smtClean="0"/>
-              <a:t>2021/7/4</a:t>
+              <a:t>2022/7/3</a:t>
             </a:fld>
             <a:endParaRPr kumimoji="1" lang="ja-JP" altLang="en-US"/>
           </a:p>
@@ -3120,7 +2963,7 @@
           <a:p>
             <a:fld id="{0D6640C3-00A8-4554-A38D-365E0E111A5F}" type="datetimeFigureOut">
               <a:rPr kumimoji="1" lang="ja-JP" altLang="en-US" smtClean="0"/>
-              <a:t>2021/7/4</a:t>
+              <a:t>2022/7/3</a:t>
             </a:fld>
             <a:endParaRPr kumimoji="1" lang="ja-JP" altLang="en-US"/>
           </a:p>
@@ -3393,7 +3236,7 @@
           <a:p>
             <a:fld id="{0D6640C3-00A8-4554-A38D-365E0E111A5F}" type="datetimeFigureOut">
               <a:rPr kumimoji="1" lang="ja-JP" altLang="en-US" smtClean="0"/>
-              <a:t>2021/7/4</a:t>
+              <a:t>2022/7/3</a:t>
             </a:fld>
             <a:endParaRPr kumimoji="1" lang="ja-JP" altLang="en-US"/>
           </a:p>
@@ -4376,13 +4219,7 @@
               <a:srgbClr val="333333"/>
             </a:solidFill>
           </a:ln>
-          <a:effectLst>
-            <a:outerShdw blurRad="381000" dist="292100" dir="5400000" sx="-80000" sy="-18000" rotWithShape="0">
-              <a:srgbClr val="000000">
-                <a:alpha val="22000"/>
-              </a:srgbClr>
-            </a:outerShdw>
-          </a:effectLst>
+          <a:effectLst/>
           <a:scene3d>
             <a:camera prst="orthographicFront"/>
             <a:lightRig rig="contrasting" dir="t">
@@ -4435,13 +4272,7 @@
               <a:srgbClr val="333333"/>
             </a:solidFill>
           </a:ln>
-          <a:effectLst>
-            <a:outerShdw blurRad="381000" dist="292100" dir="5400000" sx="-80000" sy="-18000" rotWithShape="0">
-              <a:srgbClr val="000000">
-                <a:alpha val="22000"/>
-              </a:srgbClr>
-            </a:outerShdw>
-          </a:effectLst>
+          <a:effectLst/>
           <a:scene3d>
             <a:camera prst="orthographicFront"/>
             <a:lightRig rig="contrasting" dir="t">
@@ -5059,6 +4890,151 @@
 </p:sld>
 </file>
 
+<file path=ppt/slides/slide3.xml><?xml version="1.0" encoding="utf-8"?>
+<p:sld xmlns:a="http://schemas.openxmlformats.org/drawingml/2006/main" xmlns:r="http://schemas.openxmlformats.org/officeDocument/2006/relationships" xmlns:p="http://schemas.openxmlformats.org/presentationml/2006/main">
+  <p:cSld>
+    <p:spTree>
+      <p:nvGrpSpPr>
+        <p:cNvPr id="1" name=""/>
+        <p:cNvGrpSpPr/>
+        <p:nvPr/>
+      </p:nvGrpSpPr>
+      <p:grpSpPr>
+        <a:xfrm>
+          <a:off x="0" y="0"/>
+          <a:ext cx="0" cy="0"/>
+          <a:chOff x="0" y="0"/>
+          <a:chExt cx="0" cy="0"/>
+        </a:xfrm>
+      </p:grpSpPr>
+      <p:sp>
+        <p:nvSpPr>
+          <p:cNvPr id="7" name="正方形/長方形 6">
+            <a:extLst>
+              <a:ext uri="{FF2B5EF4-FFF2-40B4-BE49-F238E27FC236}">
+                <a16:creationId xmlns:a16="http://schemas.microsoft.com/office/drawing/2014/main" id="{1BFEEA6A-8544-4354-F4B3-3F996E13C0E7}"/>
+              </a:ext>
+            </a:extLst>
+          </p:cNvPr>
+          <p:cNvSpPr/>
+          <p:nvPr/>
+        </p:nvSpPr>
+        <p:spPr>
+          <a:xfrm>
+            <a:off x="-1" y="0"/>
+            <a:ext cx="12192000" cy="6858000"/>
+          </a:xfrm>
+          <a:prstGeom prst="rect">
+            <a:avLst/>
+          </a:prstGeom>
+          <a:noFill/>
+          <a:ln>
+            <a:noFill/>
+          </a:ln>
+          <a:effectLst>
+            <a:outerShdw blurRad="50800" dist="38100" dir="5400000" algn="t" rotWithShape="0">
+              <a:prstClr val="black">
+                <a:alpha val="40000"/>
+              </a:prstClr>
+            </a:outerShdw>
+          </a:effectLst>
+        </p:spPr>
+        <p:style>
+          <a:lnRef idx="2">
+            <a:schemeClr val="accent1">
+              <a:shade val="50000"/>
+            </a:schemeClr>
+          </a:lnRef>
+          <a:fillRef idx="1">
+            <a:schemeClr val="accent1"/>
+          </a:fillRef>
+          <a:effectRef idx="0">
+            <a:schemeClr val="accent1"/>
+          </a:effectRef>
+          <a:fontRef idx="minor">
+            <a:schemeClr val="lt1"/>
+          </a:fontRef>
+        </p:style>
+        <p:txBody>
+          <a:bodyPr rtlCol="0" anchor="ctr"/>
+          <a:lstStyle/>
+          <a:p>
+            <a:pPr algn="ctr"/>
+            <a:endParaRPr kumimoji="1" lang="ja-JP" altLang="en-US"/>
+          </a:p>
+        </p:txBody>
+      </p:sp>
+      <p:sp>
+        <p:nvSpPr>
+          <p:cNvPr id="8" name="正方形/長方形 7">
+            <a:extLst>
+              <a:ext uri="{FF2B5EF4-FFF2-40B4-BE49-F238E27FC236}">
+                <a16:creationId xmlns:a16="http://schemas.microsoft.com/office/drawing/2014/main" id="{DC48B6D3-5E7E-91DE-D1E1-122E11337813}"/>
+              </a:ext>
+            </a:extLst>
+          </p:cNvPr>
+          <p:cNvSpPr/>
+          <p:nvPr/>
+        </p:nvSpPr>
+        <p:spPr>
+          <a:xfrm>
+            <a:off x="760799" y="761399"/>
+            <a:ext cx="10670400" cy="5679157"/>
+          </a:xfrm>
+          <a:prstGeom prst="rect">
+            <a:avLst/>
+          </a:prstGeom>
+          <a:solidFill>
+            <a:srgbClr val="FFFFFF">
+              <a:alpha val="89804"/>
+            </a:srgbClr>
+          </a:solidFill>
+          <a:effectLst>
+            <a:outerShdw blurRad="50800" dist="38100" dir="5400000" algn="t" rotWithShape="0">
+              <a:prstClr val="black">
+                <a:alpha val="40000"/>
+              </a:prstClr>
+            </a:outerShdw>
+          </a:effectLst>
+        </p:spPr>
+        <p:style>
+          <a:lnRef idx="2">
+            <a:schemeClr val="accent1">
+              <a:shade val="50000"/>
+            </a:schemeClr>
+          </a:lnRef>
+          <a:fillRef idx="1">
+            <a:schemeClr val="accent1"/>
+          </a:fillRef>
+          <a:effectRef idx="0">
+            <a:schemeClr val="accent1"/>
+          </a:effectRef>
+          <a:fontRef idx="minor">
+            <a:schemeClr val="lt1"/>
+          </a:fontRef>
+        </p:style>
+        <p:txBody>
+          <a:bodyPr rtlCol="0" anchor="ctr"/>
+          <a:lstStyle/>
+          <a:p>
+            <a:pPr algn="ctr"/>
+            <a:endParaRPr kumimoji="1" lang="ja-JP" altLang="en-US"/>
+          </a:p>
+        </p:txBody>
+      </p:sp>
+    </p:spTree>
+    <p:extLst>
+      <p:ext uri="{BB962C8B-B14F-4D97-AF65-F5344CB8AC3E}">
+        <p14:creationId xmlns:p14="http://schemas.microsoft.com/office/powerpoint/2010/main" val="2390686217"/>
+      </p:ext>
+    </p:extLst>
+  </p:cSld>
+  <p:clrMapOvr>
+    <a:masterClrMapping/>
+  </p:clrMapOvr>
+</p:sld>
+</file>
+
 <file path=ppt/theme/theme1.xml><?xml version="1.0" encoding="utf-8"?>
 <a:theme xmlns:a="http://schemas.openxmlformats.org/drawingml/2006/main" name="Office テーマ">
   <a:themeElements>
